--- a/go/series/2.1 标准库之http请求处理.pptx
+++ b/go/series/2.1 标准库之http请求处理.pptx
@@ -6,6 +6,11 @@
   </p:sldMasterIdLst>
   <p:sldIdLst>
     <p:sldId id="256" r:id="rId2"/>
+    <p:sldId id="257" r:id="rId3"/>
+    <p:sldId id="258" r:id="rId4"/>
+    <p:sldId id="259" r:id="rId5"/>
+    <p:sldId id="260" r:id="rId6"/>
+    <p:sldId id="261" r:id="rId7"/>
   </p:sldIdLst>
   <p:sldSz cx="12192000" cy="6858000"/>
   <p:notesSz cx="6858000" cy="9144000"/>
@@ -3036,6 +3041,928 @@
   <p:clrMapOvr>
     <a:masterClrMapping/>
   </p:clrMapOvr>
+  <p:timing>
+    <p:tnLst>
+      <p:par>
+        <p:cTn id="1" dur="indefinite" restart="never" nodeType="tmRoot"/>
+      </p:par>
+    </p:tnLst>
+  </p:timing>
+</p:sld>
+</file>
+
+<file path=ppt/slides/slide2.xml><?xml version="1.0" encoding="utf-8"?>
+<p:sld xmlns:a="http://schemas.openxmlformats.org/drawingml/2006/main" xmlns:r="http://schemas.openxmlformats.org/officeDocument/2006/relationships" xmlns:p="http://schemas.openxmlformats.org/presentationml/2006/main">
+  <p:cSld>
+    <p:spTree>
+      <p:nvGrpSpPr>
+        <p:cNvPr id="1" name=""/>
+        <p:cNvGrpSpPr/>
+        <p:nvPr/>
+      </p:nvGrpSpPr>
+      <p:grpSpPr>
+        <a:xfrm>
+          <a:off x="0" y="0"/>
+          <a:ext cx="0" cy="0"/>
+          <a:chOff x="0" y="0"/>
+          <a:chExt cx="0" cy="0"/>
+        </a:xfrm>
+      </p:grpSpPr>
+      <p:sp>
+        <p:nvSpPr>
+          <p:cNvPr id="2" name="Title 1"/>
+          <p:cNvSpPr>
+            <a:spLocks noGrp="1"/>
+          </p:cNvSpPr>
+          <p:nvPr>
+            <p:ph type="title"/>
+          </p:nvPr>
+        </p:nvSpPr>
+        <p:spPr/>
+        <p:txBody>
+          <a:bodyPr/>
+          <a:lstStyle/>
+          <a:p>
+            <a:r>
+              <a:rPr lang="en-US" dirty="0" smtClean="0"/>
+              <a:t>HTTP/1.1</a:t>
+            </a:r>
+            <a:endParaRPr lang="en-US" dirty="0"/>
+          </a:p>
+        </p:txBody>
+      </p:sp>
+      <p:sp>
+        <p:nvSpPr>
+          <p:cNvPr id="3" name="Content Placeholder 2"/>
+          <p:cNvSpPr>
+            <a:spLocks noGrp="1"/>
+          </p:cNvSpPr>
+          <p:nvPr>
+            <p:ph idx="1"/>
+          </p:nvPr>
+        </p:nvSpPr>
+        <p:spPr/>
+        <p:txBody>
+          <a:bodyPr/>
+          <a:lstStyle/>
+          <a:p>
+            <a:r>
+              <a:rPr lang="zh-CN" altLang="en-US" dirty="0" smtClean="0"/>
+              <a:t>监听一个</a:t>
+            </a:r>
+            <a:r>
+              <a:rPr lang="en-US" altLang="zh-CN" dirty="0" smtClean="0"/>
+              <a:t>TCP socket</a:t>
+            </a:r>
+            <a:endParaRPr lang="en-US" altLang="zh-CN" dirty="0"/>
+          </a:p>
+          <a:p>
+            <a:r>
+              <a:rPr lang="zh-CN" altLang="en-US" dirty="0" smtClean="0"/>
+              <a:t>每个</a:t>
+            </a:r>
+            <a:r>
+              <a:rPr lang="en-US" altLang="zh-CN" dirty="0" smtClean="0"/>
+              <a:t>TCP</a:t>
+            </a:r>
+            <a:r>
+              <a:rPr lang="zh-CN" altLang="en-US" dirty="0" smtClean="0"/>
+              <a:t>连接都新建一个</a:t>
+            </a:r>
+            <a:r>
+              <a:rPr lang="en-US" altLang="zh-CN" dirty="0" err="1" smtClean="0"/>
+              <a:t>Goroutine</a:t>
+            </a:r>
+            <a:endParaRPr lang="en-US" altLang="zh-CN" dirty="0" smtClean="0"/>
+          </a:p>
+          <a:p>
+            <a:r>
+              <a:rPr lang="zh-CN" altLang="en-US" dirty="0" smtClean="0"/>
+              <a:t>每个</a:t>
+            </a:r>
+            <a:r>
+              <a:rPr lang="en-US" altLang="zh-CN" dirty="0" smtClean="0"/>
+              <a:t>HTTP</a:t>
+            </a:r>
+            <a:r>
+              <a:rPr lang="zh-CN" altLang="en-US" dirty="0" smtClean="0"/>
+              <a:t>请求由一个</a:t>
+            </a:r>
+            <a:r>
+              <a:rPr lang="en-US" altLang="zh-CN" dirty="0" err="1" smtClean="0"/>
+              <a:t>Goroutine</a:t>
+            </a:r>
+            <a:r>
+              <a:rPr lang="zh-CN" altLang="en-US" dirty="0" smtClean="0"/>
+              <a:t>处理</a:t>
+            </a:r>
+            <a:endParaRPr lang="en-US" altLang="zh-CN" dirty="0" smtClean="0"/>
+          </a:p>
+        </p:txBody>
+      </p:sp>
+    </p:spTree>
+    <p:extLst>
+      <p:ext uri="{BB962C8B-B14F-4D97-AF65-F5344CB8AC3E}">
+        <p14:creationId xmlns:p14="http://schemas.microsoft.com/office/powerpoint/2010/main" val="881433250"/>
+      </p:ext>
+    </p:extLst>
+  </p:cSld>
+  <p:clrMapOvr>
+    <a:masterClrMapping/>
+  </p:clrMapOvr>
+  <p:timing>
+    <p:tnLst>
+      <p:par>
+        <p:cTn id="1" dur="indefinite" restart="never" nodeType="tmRoot"/>
+      </p:par>
+    </p:tnLst>
+  </p:timing>
+</p:sld>
+</file>
+
+<file path=ppt/slides/slide3.xml><?xml version="1.0" encoding="utf-8"?>
+<p:sld xmlns:a="http://schemas.openxmlformats.org/drawingml/2006/main" xmlns:r="http://schemas.openxmlformats.org/officeDocument/2006/relationships" xmlns:p="http://schemas.openxmlformats.org/presentationml/2006/main">
+  <p:cSld>
+    <p:spTree>
+      <p:nvGrpSpPr>
+        <p:cNvPr id="1" name=""/>
+        <p:cNvGrpSpPr/>
+        <p:nvPr/>
+      </p:nvGrpSpPr>
+      <p:grpSpPr>
+        <a:xfrm>
+          <a:off x="0" y="0"/>
+          <a:ext cx="0" cy="0"/>
+          <a:chOff x="0" y="0"/>
+          <a:chExt cx="0" cy="0"/>
+        </a:xfrm>
+      </p:grpSpPr>
+      <p:sp>
+        <p:nvSpPr>
+          <p:cNvPr id="2" name="Title 1"/>
+          <p:cNvSpPr>
+            <a:spLocks noGrp="1"/>
+          </p:cNvSpPr>
+          <p:nvPr>
+            <p:ph type="title"/>
+          </p:nvPr>
+        </p:nvSpPr>
+        <p:spPr/>
+        <p:txBody>
+          <a:bodyPr/>
+          <a:lstStyle/>
+          <a:p>
+            <a:r>
+              <a:rPr lang="en-US" dirty="0" smtClean="0"/>
+              <a:t>HTTP/1.1</a:t>
+            </a:r>
+            <a:endParaRPr lang="en-US" dirty="0"/>
+          </a:p>
+        </p:txBody>
+      </p:sp>
+      <p:sp>
+        <p:nvSpPr>
+          <p:cNvPr id="3" name="Content Placeholder 2"/>
+          <p:cNvSpPr>
+            <a:spLocks noGrp="1"/>
+          </p:cNvSpPr>
+          <p:nvPr>
+            <p:ph idx="1"/>
+          </p:nvPr>
+        </p:nvSpPr>
+        <p:spPr/>
+        <p:txBody>
+          <a:bodyPr/>
+          <a:lstStyle/>
+          <a:p>
+            <a:endParaRPr lang="en-US" dirty="0"/>
+          </a:p>
+        </p:txBody>
+      </p:sp>
+      <p:sp>
+        <p:nvSpPr>
+          <p:cNvPr id="4" name="Rectangle 3"/>
+          <p:cNvSpPr/>
+          <p:nvPr/>
+        </p:nvSpPr>
+        <p:spPr>
+          <a:xfrm>
+            <a:off x="1725462" y="1690688"/>
+            <a:ext cx="1733107" cy="510363"/>
+          </a:xfrm>
+          <a:prstGeom prst="rect">
+            <a:avLst/>
+          </a:prstGeom>
+        </p:spPr>
+        <p:style>
+          <a:lnRef idx="2">
+            <a:schemeClr val="accent1">
+              <a:shade val="50000"/>
+            </a:schemeClr>
+          </a:lnRef>
+          <a:fillRef idx="1">
+            <a:schemeClr val="accent1"/>
+          </a:fillRef>
+          <a:effectRef idx="0">
+            <a:schemeClr val="accent1"/>
+          </a:effectRef>
+          <a:fontRef idx="minor">
+            <a:schemeClr val="lt1"/>
+          </a:fontRef>
+        </p:style>
+        <p:txBody>
+          <a:bodyPr rtlCol="0" anchor="ctr"/>
+          <a:lstStyle/>
+          <a:p>
+            <a:pPr algn="ctr"/>
+            <a:r>
+              <a:rPr lang="en-US" dirty="0" smtClean="0"/>
+              <a:t>socket</a:t>
+            </a:r>
+            <a:endParaRPr lang="en-US" dirty="0"/>
+          </a:p>
+        </p:txBody>
+      </p:sp>
+      <p:sp>
+        <p:nvSpPr>
+          <p:cNvPr id="5" name="Rectangle 4"/>
+          <p:cNvSpPr/>
+          <p:nvPr/>
+        </p:nvSpPr>
+        <p:spPr>
+          <a:xfrm>
+            <a:off x="1725462" y="2865807"/>
+            <a:ext cx="1733107" cy="510363"/>
+          </a:xfrm>
+          <a:prstGeom prst="rect">
+            <a:avLst/>
+          </a:prstGeom>
+        </p:spPr>
+        <p:style>
+          <a:lnRef idx="2">
+            <a:schemeClr val="accent1">
+              <a:shade val="50000"/>
+            </a:schemeClr>
+          </a:lnRef>
+          <a:fillRef idx="1">
+            <a:schemeClr val="accent1"/>
+          </a:fillRef>
+          <a:effectRef idx="0">
+            <a:schemeClr val="accent1"/>
+          </a:effectRef>
+          <a:fontRef idx="minor">
+            <a:schemeClr val="lt1"/>
+          </a:fontRef>
+        </p:style>
+        <p:txBody>
+          <a:bodyPr rtlCol="0" anchor="ctr"/>
+          <a:lstStyle/>
+          <a:p>
+            <a:pPr algn="ctr"/>
+            <a:r>
+              <a:rPr lang="en-US" dirty="0" smtClean="0"/>
+              <a:t>TCP connection</a:t>
+            </a:r>
+            <a:endParaRPr lang="en-US" dirty="0"/>
+          </a:p>
+        </p:txBody>
+      </p:sp>
+      <p:cxnSp>
+        <p:nvCxnSpPr>
+          <p:cNvPr id="6" name="Straight Arrow Connector 5"/>
+          <p:cNvCxnSpPr>
+            <a:stCxn id="6" idx="2"/>
+            <a:endCxn id="7" idx="0"/>
+          </p:cNvCxnSpPr>
+          <p:nvPr/>
+        </p:nvCxnSpPr>
+        <p:spPr>
+          <a:xfrm>
+            <a:off x="2592016" y="2201051"/>
+            <a:ext cx="0" cy="664756"/>
+          </a:xfrm>
+          <a:prstGeom prst="straightConnector1">
+            <a:avLst/>
+          </a:prstGeom>
+          <a:ln>
+            <a:tailEnd type="triangle"/>
+          </a:ln>
+        </p:spPr>
+        <p:style>
+          <a:lnRef idx="1">
+            <a:schemeClr val="accent1"/>
+          </a:lnRef>
+          <a:fillRef idx="0">
+            <a:schemeClr val="accent1"/>
+          </a:fillRef>
+          <a:effectRef idx="0">
+            <a:schemeClr val="accent1"/>
+          </a:effectRef>
+          <a:fontRef idx="minor">
+            <a:schemeClr val="tx1"/>
+          </a:fontRef>
+        </p:style>
+      </p:cxnSp>
+      <p:sp>
+        <p:nvSpPr>
+          <p:cNvPr id="7" name="TextBox 6"/>
+          <p:cNvSpPr txBox="1"/>
+          <p:nvPr/>
+        </p:nvSpPr>
+        <p:spPr>
+          <a:xfrm>
+            <a:off x="2022243" y="2361538"/>
+            <a:ext cx="1139543" cy="369332"/>
+          </a:xfrm>
+          <a:prstGeom prst="rect">
+            <a:avLst/>
+          </a:prstGeom>
+          <a:noFill/>
+        </p:spPr>
+        <p:txBody>
+          <a:bodyPr wrap="none" rtlCol="0">
+            <a:spAutoFit/>
+          </a:bodyPr>
+          <a:lstStyle/>
+          <a:p>
+            <a:r>
+              <a:rPr lang="en-US" dirty="0" err="1" smtClean="0"/>
+              <a:t>Goroutine</a:t>
+            </a:r>
+            <a:endParaRPr lang="en-US" dirty="0"/>
+          </a:p>
+        </p:txBody>
+      </p:sp>
+      <p:cxnSp>
+        <p:nvCxnSpPr>
+          <p:cNvPr id="8" name="Straight Arrow Connector 7"/>
+          <p:cNvCxnSpPr>
+            <a:stCxn id="7" idx="0"/>
+            <a:endCxn id="6" idx="2"/>
+          </p:cNvCxnSpPr>
+          <p:nvPr/>
+        </p:nvCxnSpPr>
+        <p:spPr>
+          <a:xfrm flipV="1">
+            <a:off x="2592016" y="2201051"/>
+            <a:ext cx="0" cy="664756"/>
+          </a:xfrm>
+          <a:prstGeom prst="straightConnector1">
+            <a:avLst/>
+          </a:prstGeom>
+          <a:ln>
+            <a:tailEnd type="triangle"/>
+          </a:ln>
+        </p:spPr>
+        <p:style>
+          <a:lnRef idx="1">
+            <a:schemeClr val="accent1"/>
+          </a:lnRef>
+          <a:fillRef idx="0">
+            <a:schemeClr val="accent1"/>
+          </a:fillRef>
+          <a:effectRef idx="0">
+            <a:schemeClr val="accent1"/>
+          </a:effectRef>
+          <a:fontRef idx="minor">
+            <a:schemeClr val="tx1"/>
+          </a:fontRef>
+        </p:style>
+      </p:cxnSp>
+      <p:sp>
+        <p:nvSpPr>
+          <p:cNvPr id="9" name="Rectangle 8"/>
+          <p:cNvSpPr/>
+          <p:nvPr/>
+        </p:nvSpPr>
+        <p:spPr>
+          <a:xfrm>
+            <a:off x="3715192" y="3689702"/>
+            <a:ext cx="1733107" cy="510363"/>
+          </a:xfrm>
+          <a:prstGeom prst="rect">
+            <a:avLst/>
+          </a:prstGeom>
+        </p:spPr>
+        <p:style>
+          <a:lnRef idx="2">
+            <a:schemeClr val="accent1">
+              <a:shade val="50000"/>
+            </a:schemeClr>
+          </a:lnRef>
+          <a:fillRef idx="1">
+            <a:schemeClr val="accent1"/>
+          </a:fillRef>
+          <a:effectRef idx="0">
+            <a:schemeClr val="accent1"/>
+          </a:effectRef>
+          <a:fontRef idx="minor">
+            <a:schemeClr val="lt1"/>
+          </a:fontRef>
+        </p:style>
+        <p:txBody>
+          <a:bodyPr rtlCol="0" anchor="ctr"/>
+          <a:lstStyle/>
+          <a:p>
+            <a:pPr algn="ctr"/>
+            <a:r>
+              <a:rPr lang="en-US" dirty="0" err="1" smtClean="0"/>
+              <a:t>ResponseWriter</a:t>
+            </a:r>
+            <a:endParaRPr lang="en-US" dirty="0"/>
+          </a:p>
+        </p:txBody>
+      </p:sp>
+      <p:cxnSp>
+        <p:nvCxnSpPr>
+          <p:cNvPr id="10" name="Elbow Connector 9"/>
+          <p:cNvCxnSpPr>
+            <a:endCxn id="7" idx="2"/>
+          </p:cNvCxnSpPr>
+          <p:nvPr/>
+        </p:nvCxnSpPr>
+        <p:spPr>
+          <a:xfrm rot="10800000">
+            <a:off x="2592016" y="3376170"/>
+            <a:ext cx="1123176" cy="568714"/>
+          </a:xfrm>
+          <a:prstGeom prst="bentConnector2">
+            <a:avLst/>
+          </a:prstGeom>
+          <a:ln>
+            <a:tailEnd type="triangle"/>
+          </a:ln>
+        </p:spPr>
+        <p:style>
+          <a:lnRef idx="1">
+            <a:schemeClr val="accent1"/>
+          </a:lnRef>
+          <a:fillRef idx="0">
+            <a:schemeClr val="accent1"/>
+          </a:fillRef>
+          <a:effectRef idx="0">
+            <a:schemeClr val="accent1"/>
+          </a:effectRef>
+          <a:fontRef idx="minor">
+            <a:schemeClr val="tx1"/>
+          </a:fontRef>
+        </p:style>
+      </p:cxnSp>
+      <p:sp>
+        <p:nvSpPr>
+          <p:cNvPr id="11" name="Rectangle 10"/>
+          <p:cNvSpPr/>
+          <p:nvPr/>
+        </p:nvSpPr>
+        <p:spPr>
+          <a:xfrm>
+            <a:off x="6986587" y="3689702"/>
+            <a:ext cx="1733107" cy="510363"/>
+          </a:xfrm>
+          <a:prstGeom prst="rect">
+            <a:avLst/>
+          </a:prstGeom>
+        </p:spPr>
+        <p:style>
+          <a:lnRef idx="2">
+            <a:schemeClr val="accent1">
+              <a:shade val="50000"/>
+            </a:schemeClr>
+          </a:lnRef>
+          <a:fillRef idx="1">
+            <a:schemeClr val="accent1"/>
+          </a:fillRef>
+          <a:effectRef idx="0">
+            <a:schemeClr val="accent1"/>
+          </a:effectRef>
+          <a:fontRef idx="minor">
+            <a:schemeClr val="lt1"/>
+          </a:fontRef>
+        </p:style>
+        <p:txBody>
+          <a:bodyPr rtlCol="0" anchor="ctr"/>
+          <a:lstStyle/>
+          <a:p>
+            <a:pPr algn="ctr"/>
+            <a:r>
+              <a:rPr lang="en-US" dirty="0" smtClean="0"/>
+              <a:t>*Request</a:t>
+            </a:r>
+            <a:endParaRPr lang="en-US" dirty="0"/>
+          </a:p>
+        </p:txBody>
+      </p:sp>
+      <p:cxnSp>
+        <p:nvCxnSpPr>
+          <p:cNvPr id="12" name="Elbow Connector 11"/>
+          <p:cNvCxnSpPr>
+            <a:stCxn id="7" idx="3"/>
+          </p:cNvCxnSpPr>
+          <p:nvPr/>
+        </p:nvCxnSpPr>
+        <p:spPr>
+          <a:xfrm>
+            <a:off x="3458569" y="3120989"/>
+            <a:ext cx="4394572" cy="568713"/>
+          </a:xfrm>
+          <a:prstGeom prst="bentConnector2">
+            <a:avLst/>
+          </a:prstGeom>
+          <a:ln>
+            <a:tailEnd type="triangle"/>
+          </a:ln>
+        </p:spPr>
+        <p:style>
+          <a:lnRef idx="1">
+            <a:schemeClr val="accent1"/>
+          </a:lnRef>
+          <a:fillRef idx="0">
+            <a:schemeClr val="accent1"/>
+          </a:fillRef>
+          <a:effectRef idx="0">
+            <a:schemeClr val="accent1"/>
+          </a:effectRef>
+          <a:fontRef idx="minor">
+            <a:schemeClr val="tx1"/>
+          </a:fontRef>
+        </p:style>
+      </p:cxnSp>
+      <p:sp>
+        <p:nvSpPr>
+          <p:cNvPr id="13" name="Rectangle 12"/>
+          <p:cNvSpPr/>
+          <p:nvPr/>
+        </p:nvSpPr>
+        <p:spPr>
+          <a:xfrm>
+            <a:off x="5191346" y="4979582"/>
+            <a:ext cx="2080991" cy="510363"/>
+          </a:xfrm>
+          <a:prstGeom prst="rect">
+            <a:avLst/>
+          </a:prstGeom>
+        </p:spPr>
+        <p:style>
+          <a:lnRef idx="2">
+            <a:schemeClr val="accent1">
+              <a:shade val="50000"/>
+            </a:schemeClr>
+          </a:lnRef>
+          <a:fillRef idx="1">
+            <a:schemeClr val="accent1"/>
+          </a:fillRef>
+          <a:effectRef idx="0">
+            <a:schemeClr val="accent1"/>
+          </a:effectRef>
+          <a:fontRef idx="minor">
+            <a:schemeClr val="lt1"/>
+          </a:fontRef>
+        </p:style>
+        <p:txBody>
+          <a:bodyPr rtlCol="0" anchor="ctr"/>
+          <a:lstStyle/>
+          <a:p>
+            <a:pPr algn="ctr"/>
+            <a:r>
+              <a:rPr lang="en-US" dirty="0" err="1" smtClean="0"/>
+              <a:t>ServeHTTP</a:t>
+            </a:r>
+            <a:r>
+              <a:rPr lang="en-US" dirty="0" smtClean="0"/>
+              <a:t>(</a:t>
+            </a:r>
+            <a:r>
+              <a:rPr lang="en-US" dirty="0" err="1" smtClean="0"/>
+              <a:t>ResponseWriter</a:t>
+            </a:r>
+            <a:r>
+              <a:rPr lang="en-US" dirty="0" smtClean="0"/>
+              <a:t>, *Request)</a:t>
+            </a:r>
+            <a:endParaRPr lang="en-US" dirty="0"/>
+          </a:p>
+        </p:txBody>
+      </p:sp>
+      <p:cxnSp>
+        <p:nvCxnSpPr>
+          <p:cNvPr id="14" name="Elbow Connector 13"/>
+          <p:cNvCxnSpPr/>
+          <p:nvPr/>
+        </p:nvCxnSpPr>
+        <p:spPr>
+          <a:xfrm rot="10800000">
+            <a:off x="4581746" y="4200066"/>
+            <a:ext cx="609600" cy="1034699"/>
+          </a:xfrm>
+          <a:prstGeom prst="bentConnector2">
+            <a:avLst/>
+          </a:prstGeom>
+          <a:ln>
+            <a:tailEnd type="triangle"/>
+          </a:ln>
+        </p:spPr>
+        <p:style>
+          <a:lnRef idx="1">
+            <a:schemeClr val="accent1"/>
+          </a:lnRef>
+          <a:fillRef idx="0">
+            <a:schemeClr val="accent1"/>
+          </a:fillRef>
+          <a:effectRef idx="0">
+            <a:schemeClr val="accent1"/>
+          </a:effectRef>
+          <a:fontRef idx="minor">
+            <a:schemeClr val="tx1"/>
+          </a:fontRef>
+        </p:style>
+      </p:cxnSp>
+      <p:cxnSp>
+        <p:nvCxnSpPr>
+          <p:cNvPr id="15" name="Elbow Connector 14"/>
+          <p:cNvCxnSpPr/>
+          <p:nvPr/>
+        </p:nvCxnSpPr>
+        <p:spPr>
+          <a:xfrm rot="5400000">
+            <a:off x="7045390" y="4427012"/>
+            <a:ext cx="1034699" cy="580804"/>
+          </a:xfrm>
+          <a:prstGeom prst="bentConnector2">
+            <a:avLst/>
+          </a:prstGeom>
+          <a:ln>
+            <a:tailEnd type="triangle"/>
+          </a:ln>
+        </p:spPr>
+        <p:style>
+          <a:lnRef idx="1">
+            <a:schemeClr val="accent1"/>
+          </a:lnRef>
+          <a:fillRef idx="0">
+            <a:schemeClr val="accent1"/>
+          </a:fillRef>
+          <a:effectRef idx="0">
+            <a:schemeClr val="accent1"/>
+          </a:effectRef>
+          <a:fontRef idx="minor">
+            <a:schemeClr val="tx1"/>
+          </a:fontRef>
+        </p:style>
+      </p:cxnSp>
+    </p:spTree>
+    <p:extLst>
+      <p:ext uri="{BB962C8B-B14F-4D97-AF65-F5344CB8AC3E}">
+        <p14:creationId xmlns:p14="http://schemas.microsoft.com/office/powerpoint/2010/main" val="967625723"/>
+      </p:ext>
+    </p:extLst>
+  </p:cSld>
+  <p:clrMapOvr>
+    <a:masterClrMapping/>
+  </p:clrMapOvr>
+  <p:timing>
+    <p:tnLst>
+      <p:par>
+        <p:cTn id="1" dur="indefinite" restart="never" nodeType="tmRoot"/>
+      </p:par>
+    </p:tnLst>
+  </p:timing>
+</p:sld>
+</file>
+
+<file path=ppt/slides/slide4.xml><?xml version="1.0" encoding="utf-8"?>
+<p:sld xmlns:a="http://schemas.openxmlformats.org/drawingml/2006/main" xmlns:r="http://schemas.openxmlformats.org/officeDocument/2006/relationships" xmlns:p="http://schemas.openxmlformats.org/presentationml/2006/main">
+  <p:cSld>
+    <p:spTree>
+      <p:nvGrpSpPr>
+        <p:cNvPr id="1" name=""/>
+        <p:cNvGrpSpPr/>
+        <p:nvPr/>
+      </p:nvGrpSpPr>
+      <p:grpSpPr>
+        <a:xfrm>
+          <a:off x="0" y="0"/>
+          <a:ext cx="0" cy="0"/>
+          <a:chOff x="0" y="0"/>
+          <a:chExt cx="0" cy="0"/>
+        </a:xfrm>
+      </p:grpSpPr>
+      <p:sp>
+        <p:nvSpPr>
+          <p:cNvPr id="2" name="Title 1"/>
+          <p:cNvSpPr>
+            <a:spLocks noGrp="1"/>
+          </p:cNvSpPr>
+          <p:nvPr>
+            <p:ph type="title"/>
+          </p:nvPr>
+        </p:nvSpPr>
+        <p:spPr/>
+        <p:txBody>
+          <a:bodyPr/>
+          <a:lstStyle/>
+          <a:p>
+            <a:r>
+              <a:rPr lang="en-US" dirty="0" smtClean="0"/>
+              <a:t>Handler</a:t>
+            </a:r>
+            <a:endParaRPr lang="en-US" dirty="0"/>
+          </a:p>
+        </p:txBody>
+      </p:sp>
+      <p:sp>
+        <p:nvSpPr>
+          <p:cNvPr id="3" name="Content Placeholder 2"/>
+          <p:cNvSpPr>
+            <a:spLocks noGrp="1"/>
+          </p:cNvSpPr>
+          <p:nvPr>
+            <p:ph idx="1"/>
+          </p:nvPr>
+        </p:nvSpPr>
+        <p:spPr/>
+        <p:txBody>
+          <a:bodyPr/>
+          <a:lstStyle/>
+          <a:p>
+            <a:endParaRPr lang="en-US" dirty="0"/>
+          </a:p>
+        </p:txBody>
+      </p:sp>
+    </p:spTree>
+    <p:extLst>
+      <p:ext uri="{BB962C8B-B14F-4D97-AF65-F5344CB8AC3E}">
+        <p14:creationId xmlns:p14="http://schemas.microsoft.com/office/powerpoint/2010/main" val="444571577"/>
+      </p:ext>
+    </p:extLst>
+  </p:cSld>
+  <p:clrMapOvr>
+    <a:masterClrMapping/>
+  </p:clrMapOvr>
+  <p:timing>
+    <p:tnLst>
+      <p:par>
+        <p:cTn id="1" dur="indefinite" restart="never" nodeType="tmRoot"/>
+      </p:par>
+    </p:tnLst>
+  </p:timing>
+</p:sld>
+</file>
+
+<file path=ppt/slides/slide5.xml><?xml version="1.0" encoding="utf-8"?>
+<p:sld xmlns:a="http://schemas.openxmlformats.org/drawingml/2006/main" xmlns:r="http://schemas.openxmlformats.org/officeDocument/2006/relationships" xmlns:p="http://schemas.openxmlformats.org/presentationml/2006/main">
+  <p:cSld>
+    <p:spTree>
+      <p:nvGrpSpPr>
+        <p:cNvPr id="1" name=""/>
+        <p:cNvGrpSpPr/>
+        <p:nvPr/>
+      </p:nvGrpSpPr>
+      <p:grpSpPr>
+        <a:xfrm>
+          <a:off x="0" y="0"/>
+          <a:ext cx="0" cy="0"/>
+          <a:chOff x="0" y="0"/>
+          <a:chExt cx="0" cy="0"/>
+        </a:xfrm>
+      </p:grpSpPr>
+      <p:sp>
+        <p:nvSpPr>
+          <p:cNvPr id="2" name="Title 1"/>
+          <p:cNvSpPr>
+            <a:spLocks noGrp="1"/>
+          </p:cNvSpPr>
+          <p:nvPr>
+            <p:ph type="title"/>
+          </p:nvPr>
+        </p:nvSpPr>
+        <p:spPr/>
+        <p:txBody>
+          <a:bodyPr/>
+          <a:lstStyle/>
+          <a:p>
+            <a:r>
+              <a:rPr lang="en-US" dirty="0" err="1" smtClean="0"/>
+              <a:t>ServeMux</a:t>
+            </a:r>
+            <a:endParaRPr lang="en-US" dirty="0"/>
+          </a:p>
+        </p:txBody>
+      </p:sp>
+      <p:sp>
+        <p:nvSpPr>
+          <p:cNvPr id="3" name="Content Placeholder 2"/>
+          <p:cNvSpPr>
+            <a:spLocks noGrp="1"/>
+          </p:cNvSpPr>
+          <p:nvPr>
+            <p:ph idx="1"/>
+          </p:nvPr>
+        </p:nvSpPr>
+        <p:spPr/>
+        <p:txBody>
+          <a:bodyPr/>
+          <a:lstStyle/>
+          <a:p>
+            <a:endParaRPr lang="en-US" dirty="0"/>
+          </a:p>
+        </p:txBody>
+      </p:sp>
+    </p:spTree>
+    <p:extLst>
+      <p:ext uri="{BB962C8B-B14F-4D97-AF65-F5344CB8AC3E}">
+        <p14:creationId xmlns:p14="http://schemas.microsoft.com/office/powerpoint/2010/main" val="844422093"/>
+      </p:ext>
+    </p:extLst>
+  </p:cSld>
+  <p:clrMapOvr>
+    <a:masterClrMapping/>
+  </p:clrMapOvr>
+  <p:timing>
+    <p:tnLst>
+      <p:par>
+        <p:cTn id="1" dur="indefinite" restart="never" nodeType="tmRoot"/>
+      </p:par>
+    </p:tnLst>
+  </p:timing>
+</p:sld>
+</file>
+
+<file path=ppt/slides/slide6.xml><?xml version="1.0" encoding="utf-8"?>
+<p:sld xmlns:a="http://schemas.openxmlformats.org/drawingml/2006/main" xmlns:r="http://schemas.openxmlformats.org/officeDocument/2006/relationships" xmlns:p="http://schemas.openxmlformats.org/presentationml/2006/main">
+  <p:cSld>
+    <p:spTree>
+      <p:nvGrpSpPr>
+        <p:cNvPr id="1" name=""/>
+        <p:cNvGrpSpPr/>
+        <p:nvPr/>
+      </p:nvGrpSpPr>
+      <p:grpSpPr>
+        <a:xfrm>
+          <a:off x="0" y="0"/>
+          <a:ext cx="0" cy="0"/>
+          <a:chOff x="0" y="0"/>
+          <a:chExt cx="0" cy="0"/>
+        </a:xfrm>
+      </p:grpSpPr>
+      <p:sp>
+        <p:nvSpPr>
+          <p:cNvPr id="2" name="Title 1"/>
+          <p:cNvSpPr>
+            <a:spLocks noGrp="1"/>
+          </p:cNvSpPr>
+          <p:nvPr>
+            <p:ph type="title"/>
+          </p:nvPr>
+        </p:nvSpPr>
+        <p:spPr/>
+        <p:txBody>
+          <a:bodyPr/>
+          <a:lstStyle/>
+          <a:p>
+            <a:r>
+              <a:rPr lang="en-US" smtClean="0"/>
+              <a:t>DefaultServeMux</a:t>
+            </a:r>
+            <a:endParaRPr lang="en-US"/>
+          </a:p>
+        </p:txBody>
+      </p:sp>
+      <p:sp>
+        <p:nvSpPr>
+          <p:cNvPr id="3" name="Content Placeholder 2"/>
+          <p:cNvSpPr>
+            <a:spLocks noGrp="1"/>
+          </p:cNvSpPr>
+          <p:nvPr>
+            <p:ph idx="1"/>
+          </p:nvPr>
+        </p:nvSpPr>
+        <p:spPr/>
+        <p:txBody>
+          <a:bodyPr/>
+          <a:lstStyle/>
+          <a:p>
+            <a:endParaRPr lang="en-US"/>
+          </a:p>
+        </p:txBody>
+      </p:sp>
+    </p:spTree>
+    <p:extLst>
+      <p:ext uri="{BB962C8B-B14F-4D97-AF65-F5344CB8AC3E}">
+        <p14:creationId xmlns:p14="http://schemas.microsoft.com/office/powerpoint/2010/main" val="1290537495"/>
+      </p:ext>
+    </p:extLst>
+  </p:cSld>
+  <p:clrMapOvr>
+    <a:masterClrMapping/>
+  </p:clrMapOvr>
+  <p:timing>
+    <p:tnLst>
+      <p:par>
+        <p:cTn id="1" dur="indefinite" restart="never" nodeType="tmRoot"/>
+      </p:par>
+    </p:tnLst>
+  </p:timing>
 </p:sld>
 </file>
 

--- a/go/series/2.1 标准库之http请求处理.pptx
+++ b/go/series/2.1 标准库之http请求处理.pptx
@@ -109,6 +109,11 @@
       </a:defRPr>
     </a:lvl9pPr>
   </p:defaultTextStyle>
+  <p:extLst>
+    <p:ext uri="{EFAFB233-063F-42B5-8137-9DF3F51BA10A}">
+      <p15:sldGuideLst xmlns:p15="http://schemas.microsoft.com/office/powerpoint/2012/main"/>
+    </p:ext>
+  </p:extLst>
 </p:presentation>
 </file>
 
@@ -243,7 +248,7 @@
           <a:p>
             <a:fld id="{81E5FC3D-F30C-7248-96CA-5E8B3549EC87}" type="datetimeFigureOut">
               <a:rPr lang="en-US" smtClean="0"/>
-              <a:t>1/18/17</a:t>
+              <a:t>1/19/17</a:t>
             </a:fld>
             <a:endParaRPr lang="en-US"/>
           </a:p>
@@ -413,7 +418,7 @@
           <a:p>
             <a:fld id="{81E5FC3D-F30C-7248-96CA-5E8B3549EC87}" type="datetimeFigureOut">
               <a:rPr lang="en-US" smtClean="0"/>
-              <a:t>1/18/17</a:t>
+              <a:t>1/19/17</a:t>
             </a:fld>
             <a:endParaRPr lang="en-US"/>
           </a:p>
@@ -593,7 +598,7 @@
           <a:p>
             <a:fld id="{81E5FC3D-F30C-7248-96CA-5E8B3549EC87}" type="datetimeFigureOut">
               <a:rPr lang="en-US" smtClean="0"/>
-              <a:t>1/18/17</a:t>
+              <a:t>1/19/17</a:t>
             </a:fld>
             <a:endParaRPr lang="en-US"/>
           </a:p>
@@ -763,7 +768,7 @@
           <a:p>
             <a:fld id="{81E5FC3D-F30C-7248-96CA-5E8B3549EC87}" type="datetimeFigureOut">
               <a:rPr lang="en-US" smtClean="0"/>
-              <a:t>1/18/17</a:t>
+              <a:t>1/19/17</a:t>
             </a:fld>
             <a:endParaRPr lang="en-US"/>
           </a:p>
@@ -1009,7 +1014,7 @@
           <a:p>
             <a:fld id="{81E5FC3D-F30C-7248-96CA-5E8B3549EC87}" type="datetimeFigureOut">
               <a:rPr lang="en-US" smtClean="0"/>
-              <a:t>1/18/17</a:t>
+              <a:t>1/19/17</a:t>
             </a:fld>
             <a:endParaRPr lang="en-US"/>
           </a:p>
@@ -1241,7 +1246,7 @@
           <a:p>
             <a:fld id="{81E5FC3D-F30C-7248-96CA-5E8B3549EC87}" type="datetimeFigureOut">
               <a:rPr lang="en-US" smtClean="0"/>
-              <a:t>1/18/17</a:t>
+              <a:t>1/19/17</a:t>
             </a:fld>
             <a:endParaRPr lang="en-US"/>
           </a:p>
@@ -1608,7 +1613,7 @@
           <a:p>
             <a:fld id="{81E5FC3D-F30C-7248-96CA-5E8B3549EC87}" type="datetimeFigureOut">
               <a:rPr lang="en-US" smtClean="0"/>
-              <a:t>1/18/17</a:t>
+              <a:t>1/19/17</a:t>
             </a:fld>
             <a:endParaRPr lang="en-US"/>
           </a:p>
@@ -1726,7 +1731,7 @@
           <a:p>
             <a:fld id="{81E5FC3D-F30C-7248-96CA-5E8B3549EC87}" type="datetimeFigureOut">
               <a:rPr lang="en-US" smtClean="0"/>
-              <a:t>1/18/17</a:t>
+              <a:t>1/19/17</a:t>
             </a:fld>
             <a:endParaRPr lang="en-US"/>
           </a:p>
@@ -1821,7 +1826,7 @@
           <a:p>
             <a:fld id="{81E5FC3D-F30C-7248-96CA-5E8B3549EC87}" type="datetimeFigureOut">
               <a:rPr lang="en-US" smtClean="0"/>
-              <a:t>1/18/17</a:t>
+              <a:t>1/19/17</a:t>
             </a:fld>
             <a:endParaRPr lang="en-US"/>
           </a:p>
@@ -2098,7 +2103,7 @@
           <a:p>
             <a:fld id="{81E5FC3D-F30C-7248-96CA-5E8B3549EC87}" type="datetimeFigureOut">
               <a:rPr lang="en-US" smtClean="0"/>
-              <a:t>1/18/17</a:t>
+              <a:t>1/19/17</a:t>
             </a:fld>
             <a:endParaRPr lang="en-US"/>
           </a:p>
@@ -2351,7 +2356,7 @@
           <a:p>
             <a:fld id="{81E5FC3D-F30C-7248-96CA-5E8B3549EC87}" type="datetimeFigureOut">
               <a:rPr lang="en-US" smtClean="0"/>
-              <a:t>1/18/17</a:t>
+              <a:t>1/19/17</a:t>
             </a:fld>
             <a:endParaRPr lang="en-US"/>
           </a:p>
@@ -2564,7 +2569,7 @@
           <a:p>
             <a:fld id="{81E5FC3D-F30C-7248-96CA-5E8B3549EC87}" type="datetimeFigureOut">
               <a:rPr lang="en-US" smtClean="0"/>
-              <a:t>1/18/17</a:t>
+              <a:t>1/19/17</a:t>
             </a:fld>
             <a:endParaRPr lang="en-US"/>
           </a:p>

--- a/go/series/2.1 标准库之http请求处理.pptx
+++ b/go/series/2.1 标准库之http请求处理.pptx
@@ -8,9 +8,11 @@
     <p:sldId id="256" r:id="rId2"/>
     <p:sldId id="257" r:id="rId3"/>
     <p:sldId id="258" r:id="rId4"/>
-    <p:sldId id="259" r:id="rId5"/>
-    <p:sldId id="260" r:id="rId6"/>
-    <p:sldId id="261" r:id="rId7"/>
+    <p:sldId id="262" r:id="rId5"/>
+    <p:sldId id="261" r:id="rId6"/>
+    <p:sldId id="259" r:id="rId7"/>
+    <p:sldId id="260" r:id="rId8"/>
+    <p:sldId id="263" r:id="rId9"/>
   </p:sldIdLst>
   <p:sldSz cx="12192000" cy="6858000"/>
   <p:notesSz cx="6858000" cy="9144000"/>
@@ -3219,7 +3221,15 @@
           <a:p>
             <a:r>
               <a:rPr lang="en-US" dirty="0" smtClean="0"/>
-              <a:t>HTTP/1.1</a:t>
+              <a:t>TCP </a:t>
+            </a:r>
+            <a:r>
+              <a:rPr lang="en-US" dirty="0" err="1" smtClean="0"/>
+              <a:t>v.s</a:t>
+            </a:r>
+            <a:r>
+              <a:rPr lang="en-US" dirty="0" smtClean="0"/>
+              <a:t>. HTTP/1.1</a:t>
             </a:r>
             <a:endParaRPr lang="en-US" dirty="0"/>
           </a:p>
@@ -3768,7 +3778,7 @@
           <a:p>
             <a:r>
               <a:rPr lang="en-US" dirty="0" smtClean="0"/>
-              <a:t>Handler</a:t>
+              <a:t>HTTP</a:t>
             </a:r>
             <a:endParaRPr lang="en-US" dirty="0"/>
           </a:p>
@@ -3789,14 +3799,449 @@
           <a:bodyPr/>
           <a:lstStyle/>
           <a:p>
+            <a:pPr marL="0" marR="0" lvl="0" indent="0" defTabSz="914400" eaLnBrk="1" fontAlgn="auto" latinLnBrk="0" hangingPunct="1">
+              <a:lnSpc>
+                <a:spcPct val="100000"/>
+              </a:lnSpc>
+              <a:spcBef>
+                <a:spcPts val="0"/>
+              </a:spcBef>
+              <a:spcAft>
+                <a:spcPts val="0"/>
+              </a:spcAft>
+              <a:buClrTx/>
+              <a:buSzTx/>
+              <a:buFontTx/>
+              <a:buNone/>
+              <a:tabLst/>
+              <a:defRPr/>
+            </a:pPr>
+            <a:endParaRPr lang="en-US" altLang="zh-CN" dirty="0" smtClean="0"/>
+          </a:p>
+        </p:txBody>
+      </p:sp>
+      <p:sp>
+        <p:nvSpPr>
+          <p:cNvPr id="4" name="Diamond 3"/>
+          <p:cNvSpPr/>
+          <p:nvPr/>
+        </p:nvSpPr>
+        <p:spPr>
+          <a:xfrm>
+            <a:off x="4694663" y="2214632"/>
+            <a:ext cx="2239537" cy="1016248"/>
+          </a:xfrm>
+          <a:prstGeom prst="diamond">
+            <a:avLst/>
+          </a:prstGeom>
+        </p:spPr>
+        <p:style>
+          <a:lnRef idx="2">
+            <a:schemeClr val="accent1">
+              <a:shade val="50000"/>
+            </a:schemeClr>
+          </a:lnRef>
+          <a:fillRef idx="1">
+            <a:schemeClr val="accent1"/>
+          </a:fillRef>
+          <a:effectRef idx="0">
+            <a:schemeClr val="accent1"/>
+          </a:effectRef>
+          <a:fontRef idx="minor">
+            <a:schemeClr val="lt1"/>
+          </a:fontRef>
+        </p:style>
+        <p:txBody>
+          <a:bodyPr rtlCol="0" anchor="ctr"/>
+          <a:lstStyle/>
+          <a:p>
+            <a:pPr algn="ctr"/>
+            <a:r>
+              <a:rPr lang="en-US" altLang="zh-CN" dirty="0" smtClean="0"/>
+              <a:t>Handler is nil?</a:t>
+            </a:r>
             <a:endParaRPr lang="en-US" dirty="0"/>
           </a:p>
         </p:txBody>
       </p:sp>
+      <p:sp>
+        <p:nvSpPr>
+          <p:cNvPr id="5" name="Rectangle 4"/>
+          <p:cNvSpPr/>
+          <p:nvPr/>
+        </p:nvSpPr>
+        <p:spPr>
+          <a:xfrm>
+            <a:off x="2586340" y="3802767"/>
+            <a:ext cx="2108323" cy="708273"/>
+          </a:xfrm>
+          <a:prstGeom prst="rect">
+            <a:avLst/>
+          </a:prstGeom>
+        </p:spPr>
+        <p:style>
+          <a:lnRef idx="2">
+            <a:schemeClr val="accent1">
+              <a:shade val="50000"/>
+            </a:schemeClr>
+          </a:lnRef>
+          <a:fillRef idx="1">
+            <a:schemeClr val="accent1"/>
+          </a:fillRef>
+          <a:effectRef idx="0">
+            <a:schemeClr val="accent1"/>
+          </a:effectRef>
+          <a:fontRef idx="minor">
+            <a:schemeClr val="lt1"/>
+          </a:fontRef>
+        </p:style>
+        <p:txBody>
+          <a:bodyPr rtlCol="0" anchor="ctr"/>
+          <a:lstStyle/>
+          <a:p>
+            <a:pPr algn="ctr"/>
+            <a:r>
+              <a:rPr lang="en-US" smtClean="0"/>
+              <a:t>DefaultServeMux</a:t>
+            </a:r>
+            <a:endParaRPr lang="en-US" dirty="0"/>
+          </a:p>
+        </p:txBody>
+      </p:sp>
+      <p:sp>
+        <p:nvSpPr>
+          <p:cNvPr id="6" name="Rectangle 5"/>
+          <p:cNvSpPr/>
+          <p:nvPr/>
+        </p:nvSpPr>
+        <p:spPr>
+          <a:xfrm>
+            <a:off x="7016533" y="3802766"/>
+            <a:ext cx="2108323" cy="708273"/>
+          </a:xfrm>
+          <a:prstGeom prst="rect">
+            <a:avLst/>
+          </a:prstGeom>
+        </p:spPr>
+        <p:style>
+          <a:lnRef idx="2">
+            <a:schemeClr val="accent1">
+              <a:shade val="50000"/>
+            </a:schemeClr>
+          </a:lnRef>
+          <a:fillRef idx="1">
+            <a:schemeClr val="accent1"/>
+          </a:fillRef>
+          <a:effectRef idx="0">
+            <a:schemeClr val="accent1"/>
+          </a:effectRef>
+          <a:fontRef idx="minor">
+            <a:schemeClr val="lt1"/>
+          </a:fontRef>
+        </p:style>
+        <p:txBody>
+          <a:bodyPr rtlCol="0" anchor="ctr"/>
+          <a:lstStyle/>
+          <a:p>
+            <a:pPr algn="ctr"/>
+            <a:r>
+              <a:rPr lang="en-US" dirty="0" smtClean="0"/>
+              <a:t>Your Handler</a:t>
+            </a:r>
+            <a:endParaRPr lang="en-US" dirty="0"/>
+          </a:p>
+        </p:txBody>
+      </p:sp>
+      <p:cxnSp>
+        <p:nvCxnSpPr>
+          <p:cNvPr id="8" name="Elbow Connector 7"/>
+          <p:cNvCxnSpPr>
+            <a:stCxn id="4" idx="1"/>
+            <a:endCxn id="5" idx="0"/>
+          </p:cNvCxnSpPr>
+          <p:nvPr/>
+        </p:nvCxnSpPr>
+        <p:spPr>
+          <a:xfrm rot="10800000" flipV="1">
+            <a:off x="3640503" y="2722755"/>
+            <a:ext cx="1054161" cy="1080011"/>
+          </a:xfrm>
+          <a:prstGeom prst="bentConnector2">
+            <a:avLst/>
+          </a:prstGeom>
+          <a:ln>
+            <a:tailEnd type="triangle"/>
+          </a:ln>
+        </p:spPr>
+        <p:style>
+          <a:lnRef idx="1">
+            <a:schemeClr val="accent1"/>
+          </a:lnRef>
+          <a:fillRef idx="0">
+            <a:schemeClr val="accent1"/>
+          </a:fillRef>
+          <a:effectRef idx="0">
+            <a:schemeClr val="accent1"/>
+          </a:effectRef>
+          <a:fontRef idx="minor">
+            <a:schemeClr val="tx1"/>
+          </a:fontRef>
+        </p:style>
+      </p:cxnSp>
+      <p:cxnSp>
+        <p:nvCxnSpPr>
+          <p:cNvPr id="10" name="Elbow Connector 9"/>
+          <p:cNvCxnSpPr>
+            <a:stCxn id="4" idx="3"/>
+            <a:endCxn id="6" idx="0"/>
+          </p:cNvCxnSpPr>
+          <p:nvPr/>
+        </p:nvCxnSpPr>
+        <p:spPr>
+          <a:xfrm>
+            <a:off x="6934200" y="2722756"/>
+            <a:ext cx="1136495" cy="1080010"/>
+          </a:xfrm>
+          <a:prstGeom prst="bentConnector2">
+            <a:avLst/>
+          </a:prstGeom>
+          <a:ln>
+            <a:tailEnd type="triangle"/>
+          </a:ln>
+        </p:spPr>
+        <p:style>
+          <a:lnRef idx="1">
+            <a:schemeClr val="accent1"/>
+          </a:lnRef>
+          <a:fillRef idx="0">
+            <a:schemeClr val="accent1"/>
+          </a:fillRef>
+          <a:effectRef idx="0">
+            <a:schemeClr val="accent1"/>
+          </a:effectRef>
+          <a:fontRef idx="minor">
+            <a:schemeClr val="tx1"/>
+          </a:fontRef>
+        </p:style>
+      </p:cxnSp>
+      <p:sp>
+        <p:nvSpPr>
+          <p:cNvPr id="11" name="TextBox 10"/>
+          <p:cNvSpPr txBox="1"/>
+          <p:nvPr/>
+        </p:nvSpPr>
+        <p:spPr>
+          <a:xfrm>
+            <a:off x="4008120" y="2349403"/>
+            <a:ext cx="502920" cy="373353"/>
+          </a:xfrm>
+          <a:prstGeom prst="rect">
+            <a:avLst/>
+          </a:prstGeom>
+          <a:noFill/>
+        </p:spPr>
+        <p:txBody>
+          <a:bodyPr wrap="square" rtlCol="0">
+            <a:spAutoFit/>
+          </a:bodyPr>
+          <a:lstStyle/>
+          <a:p>
+            <a:r>
+              <a:rPr lang="en-US" dirty="0" smtClean="0"/>
+              <a:t>Yes</a:t>
+            </a:r>
+            <a:endParaRPr lang="en-US" dirty="0"/>
+          </a:p>
+        </p:txBody>
+      </p:sp>
+      <p:sp>
+        <p:nvSpPr>
+          <p:cNvPr id="13" name="TextBox 12"/>
+          <p:cNvSpPr txBox="1"/>
+          <p:nvPr/>
+        </p:nvSpPr>
+        <p:spPr>
+          <a:xfrm flipH="1">
+            <a:off x="7195323" y="2349763"/>
+            <a:ext cx="485637" cy="373353"/>
+          </a:xfrm>
+          <a:prstGeom prst="rect">
+            <a:avLst/>
+          </a:prstGeom>
+          <a:noFill/>
+        </p:spPr>
+        <p:txBody>
+          <a:bodyPr wrap="square" rtlCol="0">
+            <a:spAutoFit/>
+          </a:bodyPr>
+          <a:lstStyle/>
+          <a:p>
+            <a:r>
+              <a:rPr lang="en-US" dirty="0" smtClean="0"/>
+              <a:t>No</a:t>
+            </a:r>
+            <a:endParaRPr lang="en-US" dirty="0"/>
+          </a:p>
+        </p:txBody>
+      </p:sp>
+      <p:sp>
+        <p:nvSpPr>
+          <p:cNvPr id="14" name="Rectangle 13"/>
+          <p:cNvSpPr/>
+          <p:nvPr/>
+        </p:nvSpPr>
+        <p:spPr>
+          <a:xfrm>
+            <a:off x="2586340" y="5364480"/>
+            <a:ext cx="6538516" cy="701040"/>
+          </a:xfrm>
+          <a:prstGeom prst="rect">
+            <a:avLst/>
+          </a:prstGeom>
+        </p:spPr>
+        <p:style>
+          <a:lnRef idx="2">
+            <a:schemeClr val="accent1">
+              <a:shade val="50000"/>
+            </a:schemeClr>
+          </a:lnRef>
+          <a:fillRef idx="1">
+            <a:schemeClr val="accent1"/>
+          </a:fillRef>
+          <a:effectRef idx="0">
+            <a:schemeClr val="accent1"/>
+          </a:effectRef>
+          <a:fontRef idx="minor">
+            <a:schemeClr val="lt1"/>
+          </a:fontRef>
+        </p:style>
+        <p:txBody>
+          <a:bodyPr rtlCol="0" anchor="ctr"/>
+          <a:lstStyle/>
+          <a:p>
+            <a:pPr algn="ctr"/>
+            <a:r>
+              <a:rPr lang="en-US" dirty="0" smtClean="0"/>
+              <a:t>Call </a:t>
+            </a:r>
+            <a:r>
+              <a:rPr lang="en-US" dirty="0" err="1" smtClean="0"/>
+              <a:t>ServeHTTP</a:t>
+            </a:r>
+            <a:endParaRPr lang="en-US" dirty="0"/>
+          </a:p>
+        </p:txBody>
+      </p:sp>
+      <p:cxnSp>
+        <p:nvCxnSpPr>
+          <p:cNvPr id="22" name="Elbow Connector 21"/>
+          <p:cNvCxnSpPr/>
+          <p:nvPr/>
+        </p:nvCxnSpPr>
+        <p:spPr>
+          <a:xfrm rot="16200000" flipH="1">
+            <a:off x="4671341" y="4180223"/>
+            <a:ext cx="1207578" cy="1160935"/>
+          </a:xfrm>
+          <a:prstGeom prst="bentConnector3">
+            <a:avLst>
+              <a:gd name="adj1" fmla="val 781"/>
+            </a:avLst>
+          </a:prstGeom>
+          <a:ln>
+            <a:tailEnd type="triangle"/>
+          </a:ln>
+        </p:spPr>
+        <p:style>
+          <a:lnRef idx="1">
+            <a:schemeClr val="accent1"/>
+          </a:lnRef>
+          <a:fillRef idx="0">
+            <a:schemeClr val="accent1"/>
+          </a:fillRef>
+          <a:effectRef idx="0">
+            <a:schemeClr val="accent1"/>
+          </a:effectRef>
+          <a:fontRef idx="minor">
+            <a:schemeClr val="tx1"/>
+          </a:fontRef>
+        </p:style>
+      </p:cxnSp>
+      <p:cxnSp>
+        <p:nvCxnSpPr>
+          <p:cNvPr id="25" name="Elbow Connector 24"/>
+          <p:cNvCxnSpPr>
+            <a:stCxn id="6" idx="1"/>
+            <a:endCxn id="14" idx="0"/>
+          </p:cNvCxnSpPr>
+          <p:nvPr/>
+        </p:nvCxnSpPr>
+        <p:spPr>
+          <a:xfrm rot="10800000" flipV="1">
+            <a:off x="5855599" y="4156902"/>
+            <a:ext cx="1160935" cy="1207577"/>
+          </a:xfrm>
+          <a:prstGeom prst="bentConnector2">
+            <a:avLst/>
+          </a:prstGeom>
+          <a:ln>
+            <a:tailEnd type="triangle"/>
+          </a:ln>
+        </p:spPr>
+        <p:style>
+          <a:lnRef idx="1">
+            <a:schemeClr val="accent1"/>
+          </a:lnRef>
+          <a:fillRef idx="0">
+            <a:schemeClr val="accent1"/>
+          </a:fillRef>
+          <a:effectRef idx="0">
+            <a:schemeClr val="accent1"/>
+          </a:effectRef>
+          <a:fontRef idx="minor">
+            <a:schemeClr val="tx1"/>
+          </a:fontRef>
+        </p:style>
+      </p:cxnSp>
+      <p:cxnSp>
+        <p:nvCxnSpPr>
+          <p:cNvPr id="28" name="Straight Arrow Connector 27"/>
+          <p:cNvCxnSpPr>
+            <a:endCxn id="4" idx="0"/>
+          </p:cNvCxnSpPr>
+          <p:nvPr/>
+        </p:nvCxnSpPr>
+        <p:spPr>
+          <a:xfrm>
+            <a:off x="5814431" y="1386840"/>
+            <a:ext cx="1" cy="827792"/>
+          </a:xfrm>
+          <a:prstGeom prst="straightConnector1">
+            <a:avLst/>
+          </a:prstGeom>
+          <a:ln>
+            <a:tailEnd type="triangle"/>
+          </a:ln>
+        </p:spPr>
+        <p:style>
+          <a:lnRef idx="1">
+            <a:schemeClr val="accent1"/>
+          </a:lnRef>
+          <a:fillRef idx="0">
+            <a:schemeClr val="accent1"/>
+          </a:fillRef>
+          <a:effectRef idx="0">
+            <a:schemeClr val="accent1"/>
+          </a:effectRef>
+          <a:fontRef idx="minor">
+            <a:schemeClr val="tx1"/>
+          </a:fontRef>
+        </p:style>
+      </p:cxnSp>
     </p:spTree>
     <p:extLst>
       <p:ext uri="{BB962C8B-B14F-4D97-AF65-F5344CB8AC3E}">
-        <p14:creationId xmlns:p14="http://schemas.microsoft.com/office/powerpoint/2010/main" val="444571577"/>
+        <p14:creationId xmlns:p14="http://schemas.microsoft.com/office/powerpoint/2010/main" val="2016948882"/>
       </p:ext>
     </p:extLst>
   </p:cSld>
@@ -3846,10 +4291,10 @@
           <a:lstStyle/>
           <a:p>
             <a:r>
-              <a:rPr lang="en-US" dirty="0" err="1" smtClean="0"/>
-              <a:t>ServeMux</a:t>
-            </a:r>
-            <a:endParaRPr lang="en-US" dirty="0"/>
+              <a:rPr lang="en-US" smtClean="0"/>
+              <a:t>DefaultServeMux</a:t>
+            </a:r>
+            <a:endParaRPr lang="en-US"/>
           </a:p>
         </p:txBody>
       </p:sp>
@@ -3868,14 +4313,14 @@
           <a:bodyPr/>
           <a:lstStyle/>
           <a:p>
-            <a:endParaRPr lang="en-US" dirty="0"/>
+            <a:endParaRPr lang="en-US"/>
           </a:p>
         </p:txBody>
       </p:sp>
     </p:spTree>
     <p:extLst>
       <p:ext uri="{BB962C8B-B14F-4D97-AF65-F5344CB8AC3E}">
-        <p14:creationId xmlns:p14="http://schemas.microsoft.com/office/powerpoint/2010/main" val="844422093"/>
+        <p14:creationId xmlns:p14="http://schemas.microsoft.com/office/powerpoint/2010/main" val="1290537495"/>
       </p:ext>
     </p:extLst>
   </p:cSld>
@@ -3925,10 +4370,10 @@
           <a:lstStyle/>
           <a:p>
             <a:r>
-              <a:rPr lang="en-US" smtClean="0"/>
-              <a:t>DefaultServeMux</a:t>
-            </a:r>
-            <a:endParaRPr lang="en-US"/>
+              <a:rPr lang="en-US" dirty="0" smtClean="0"/>
+              <a:t>Handler</a:t>
+            </a:r>
+            <a:endParaRPr lang="en-US" dirty="0"/>
           </a:p>
         </p:txBody>
       </p:sp>
@@ -3947,14 +4392,31 @@
           <a:bodyPr/>
           <a:lstStyle/>
           <a:p>
-            <a:endParaRPr lang="en-US"/>
+            <a:pPr marL="0" marR="0" lvl="0" indent="0" defTabSz="914400" eaLnBrk="1" fontAlgn="auto" latinLnBrk="0" hangingPunct="1">
+              <a:lnSpc>
+                <a:spcPct val="100000"/>
+              </a:lnSpc>
+              <a:spcBef>
+                <a:spcPts val="0"/>
+              </a:spcBef>
+              <a:spcAft>
+                <a:spcPts val="0"/>
+              </a:spcAft>
+              <a:buClrTx/>
+              <a:buSzTx/>
+              <a:buFontTx/>
+              <a:buNone/>
+              <a:tabLst/>
+              <a:defRPr/>
+            </a:pPr>
+            <a:endParaRPr lang="en-US" dirty="0"/>
           </a:p>
         </p:txBody>
       </p:sp>
     </p:spTree>
     <p:extLst>
       <p:ext uri="{BB962C8B-B14F-4D97-AF65-F5344CB8AC3E}">
-        <p14:creationId xmlns:p14="http://schemas.microsoft.com/office/powerpoint/2010/main" val="1290537495"/>
+        <p14:creationId xmlns:p14="http://schemas.microsoft.com/office/powerpoint/2010/main" val="444571577"/>
       </p:ext>
     </p:extLst>
   </p:cSld>
@@ -3968,6 +4430,157 @@
       </p:par>
     </p:tnLst>
   </p:timing>
+</p:sld>
+</file>
+
+<file path=ppt/slides/slide7.xml><?xml version="1.0" encoding="utf-8"?>
+<p:sld xmlns:a="http://schemas.openxmlformats.org/drawingml/2006/main" xmlns:r="http://schemas.openxmlformats.org/officeDocument/2006/relationships" xmlns:p="http://schemas.openxmlformats.org/presentationml/2006/main">
+  <p:cSld>
+    <p:spTree>
+      <p:nvGrpSpPr>
+        <p:cNvPr id="1" name=""/>
+        <p:cNvGrpSpPr/>
+        <p:nvPr/>
+      </p:nvGrpSpPr>
+      <p:grpSpPr>
+        <a:xfrm>
+          <a:off x="0" y="0"/>
+          <a:ext cx="0" cy="0"/>
+          <a:chOff x="0" y="0"/>
+          <a:chExt cx="0" cy="0"/>
+        </a:xfrm>
+      </p:grpSpPr>
+      <p:sp>
+        <p:nvSpPr>
+          <p:cNvPr id="2" name="Title 1"/>
+          <p:cNvSpPr>
+            <a:spLocks noGrp="1"/>
+          </p:cNvSpPr>
+          <p:nvPr>
+            <p:ph type="title"/>
+          </p:nvPr>
+        </p:nvSpPr>
+        <p:spPr/>
+        <p:txBody>
+          <a:bodyPr/>
+          <a:lstStyle/>
+          <a:p>
+            <a:r>
+              <a:rPr lang="en-US" dirty="0" err="1" smtClean="0"/>
+              <a:t>ServeMux</a:t>
+            </a:r>
+            <a:endParaRPr lang="en-US" dirty="0"/>
+          </a:p>
+        </p:txBody>
+      </p:sp>
+      <p:sp>
+        <p:nvSpPr>
+          <p:cNvPr id="3" name="Content Placeholder 2"/>
+          <p:cNvSpPr>
+            <a:spLocks noGrp="1"/>
+          </p:cNvSpPr>
+          <p:nvPr>
+            <p:ph idx="1"/>
+          </p:nvPr>
+        </p:nvSpPr>
+        <p:spPr/>
+        <p:txBody>
+          <a:bodyPr/>
+          <a:lstStyle/>
+          <a:p>
+            <a:endParaRPr lang="en-US" dirty="0"/>
+          </a:p>
+        </p:txBody>
+      </p:sp>
+    </p:spTree>
+    <p:extLst>
+      <p:ext uri="{BB962C8B-B14F-4D97-AF65-F5344CB8AC3E}">
+        <p14:creationId xmlns:p14="http://schemas.microsoft.com/office/powerpoint/2010/main" val="844422093"/>
+      </p:ext>
+    </p:extLst>
+  </p:cSld>
+  <p:clrMapOvr>
+    <a:masterClrMapping/>
+  </p:clrMapOvr>
+  <p:timing>
+    <p:tnLst>
+      <p:par>
+        <p:cTn id="1" dur="indefinite" restart="never" nodeType="tmRoot"/>
+      </p:par>
+    </p:tnLst>
+  </p:timing>
+</p:sld>
+</file>
+
+<file path=ppt/slides/slide8.xml><?xml version="1.0" encoding="utf-8"?>
+<p:sld xmlns:a="http://schemas.openxmlformats.org/drawingml/2006/main" xmlns:r="http://schemas.openxmlformats.org/officeDocument/2006/relationships" xmlns:p="http://schemas.openxmlformats.org/presentationml/2006/main">
+  <p:cSld>
+    <p:spTree>
+      <p:nvGrpSpPr>
+        <p:cNvPr id="1" name=""/>
+        <p:cNvGrpSpPr/>
+        <p:nvPr/>
+      </p:nvGrpSpPr>
+      <p:grpSpPr>
+        <a:xfrm>
+          <a:off x="0" y="0"/>
+          <a:ext cx="0" cy="0"/>
+          <a:chOff x="0" y="0"/>
+          <a:chExt cx="0" cy="0"/>
+        </a:xfrm>
+      </p:grpSpPr>
+      <p:sp>
+        <p:nvSpPr>
+          <p:cNvPr id="2" name="Title 1"/>
+          <p:cNvSpPr>
+            <a:spLocks noGrp="1"/>
+          </p:cNvSpPr>
+          <p:nvPr>
+            <p:ph type="title"/>
+          </p:nvPr>
+        </p:nvSpPr>
+        <p:spPr/>
+        <p:txBody>
+          <a:bodyPr/>
+          <a:lstStyle/>
+          <a:p>
+            <a:r>
+              <a:rPr lang="en-US" dirty="0" smtClean="0"/>
+              <a:t>Transport</a:t>
+            </a:r>
+            <a:endParaRPr lang="en-US" dirty="0"/>
+          </a:p>
+        </p:txBody>
+      </p:sp>
+      <p:sp>
+        <p:nvSpPr>
+          <p:cNvPr id="3" name="Content Placeholder 2"/>
+          <p:cNvSpPr>
+            <a:spLocks noGrp="1"/>
+          </p:cNvSpPr>
+          <p:nvPr>
+            <p:ph idx="1"/>
+          </p:nvPr>
+        </p:nvSpPr>
+        <p:spPr/>
+        <p:txBody>
+          <a:bodyPr/>
+          <a:lstStyle/>
+          <a:p>
+            <a:endParaRPr lang="en-US"/>
+          </a:p>
+        </p:txBody>
+      </p:sp>
+    </p:spTree>
+    <p:extLst>
+      <p:ext uri="{BB962C8B-B14F-4D97-AF65-F5344CB8AC3E}">
+        <p14:creationId xmlns:p14="http://schemas.microsoft.com/office/powerpoint/2010/main" val="2057206117"/>
+      </p:ext>
+    </p:extLst>
+  </p:cSld>
+  <p:clrMapOvr>
+    <a:masterClrMapping/>
+  </p:clrMapOvr>
 </p:sld>
 </file>
 
